--- a/машинный перевод.pptx
+++ b/машинный перевод.pptx
@@ -5,19 +5,20 @@
     <p:sldMasterId id="2147483648" r:id="rId1"/>
   </p:sldMasterIdLst>
   <p:sldIdLst>
-    <p:sldId id="257" r:id="rId2"/>
-    <p:sldId id="256" r:id="rId3"/>
-    <p:sldId id="260" r:id="rId4"/>
-    <p:sldId id="259" r:id="rId5"/>
-    <p:sldId id="261" r:id="rId6"/>
-    <p:sldId id="262" r:id="rId7"/>
-    <p:sldId id="264" r:id="rId8"/>
-    <p:sldId id="263" r:id="rId9"/>
-    <p:sldId id="265" r:id="rId10"/>
-    <p:sldId id="266" r:id="rId11"/>
-    <p:sldId id="267" r:id="rId12"/>
-    <p:sldId id="268" r:id="rId13"/>
-    <p:sldId id="269" r:id="rId14"/>
+    <p:sldId id="270" r:id="rId2"/>
+    <p:sldId id="257" r:id="rId3"/>
+    <p:sldId id="256" r:id="rId4"/>
+    <p:sldId id="260" r:id="rId5"/>
+    <p:sldId id="259" r:id="rId6"/>
+    <p:sldId id="261" r:id="rId7"/>
+    <p:sldId id="262" r:id="rId8"/>
+    <p:sldId id="264" r:id="rId9"/>
+    <p:sldId id="263" r:id="rId10"/>
+    <p:sldId id="265" r:id="rId11"/>
+    <p:sldId id="266" r:id="rId12"/>
+    <p:sldId id="267" r:id="rId13"/>
+    <p:sldId id="268" r:id="rId14"/>
+    <p:sldId id="269" r:id="rId15"/>
   </p:sldIdLst>
   <p:sldSz cx="9144000" cy="6858000" type="screen4x3"/>
   <p:notesSz cx="6858000" cy="9144000"/>
@@ -316,7 +317,7 @@
           <a:p>
             <a:fld id="{5B106E36-FD25-4E2D-B0AA-010F637433A0}" type="datetimeFigureOut">
               <a:rPr lang="ru-RU" smtClean="0"/>
-              <a:t>02.10.2018</a:t>
+              <a:t>09.10.2018</a:t>
             </a:fld>
             <a:endParaRPr lang="ru-RU"/>
           </a:p>
@@ -481,7 +482,7 @@
           <a:p>
             <a:fld id="{5B106E36-FD25-4E2D-B0AA-010F637433A0}" type="datetimeFigureOut">
               <a:rPr lang="ru-RU" smtClean="0"/>
-              <a:t>02.10.2018</a:t>
+              <a:t>09.10.2018</a:t>
             </a:fld>
             <a:endParaRPr lang="ru-RU"/>
           </a:p>
@@ -656,7 +657,7 @@
           <a:p>
             <a:fld id="{5B106E36-FD25-4E2D-B0AA-010F637433A0}" type="datetimeFigureOut">
               <a:rPr lang="ru-RU" smtClean="0"/>
-              <a:t>02.10.2018</a:t>
+              <a:t>09.10.2018</a:t>
             </a:fld>
             <a:endParaRPr lang="ru-RU"/>
           </a:p>
@@ -821,7 +822,7 @@
           <a:p>
             <a:fld id="{5B106E36-FD25-4E2D-B0AA-010F637433A0}" type="datetimeFigureOut">
               <a:rPr lang="ru-RU" smtClean="0"/>
-              <a:t>02.10.2018</a:t>
+              <a:t>09.10.2018</a:t>
             </a:fld>
             <a:endParaRPr lang="ru-RU"/>
           </a:p>
@@ -1062,7 +1063,7 @@
           <a:p>
             <a:fld id="{5B106E36-FD25-4E2D-B0AA-010F637433A0}" type="datetimeFigureOut">
               <a:rPr lang="ru-RU" smtClean="0"/>
-              <a:t>02.10.2018</a:t>
+              <a:t>09.10.2018</a:t>
             </a:fld>
             <a:endParaRPr lang="ru-RU"/>
           </a:p>
@@ -1345,7 +1346,7 @@
           <a:p>
             <a:fld id="{5B106E36-FD25-4E2D-B0AA-010F637433A0}" type="datetimeFigureOut">
               <a:rPr lang="ru-RU" smtClean="0"/>
-              <a:t>02.10.2018</a:t>
+              <a:t>09.10.2018</a:t>
             </a:fld>
             <a:endParaRPr lang="ru-RU"/>
           </a:p>
@@ -1762,7 +1763,7 @@
           <a:p>
             <a:fld id="{5B106E36-FD25-4E2D-B0AA-010F637433A0}" type="datetimeFigureOut">
               <a:rPr lang="ru-RU" smtClean="0"/>
-              <a:t>02.10.2018</a:t>
+              <a:t>09.10.2018</a:t>
             </a:fld>
             <a:endParaRPr lang="ru-RU"/>
           </a:p>
@@ -1875,7 +1876,7 @@
           <a:p>
             <a:fld id="{5B106E36-FD25-4E2D-B0AA-010F637433A0}" type="datetimeFigureOut">
               <a:rPr lang="ru-RU" smtClean="0"/>
-              <a:t>02.10.2018</a:t>
+              <a:t>09.10.2018</a:t>
             </a:fld>
             <a:endParaRPr lang="ru-RU"/>
           </a:p>
@@ -1965,7 +1966,7 @@
           <a:p>
             <a:fld id="{5B106E36-FD25-4E2D-B0AA-010F637433A0}" type="datetimeFigureOut">
               <a:rPr lang="ru-RU" smtClean="0"/>
-              <a:t>02.10.2018</a:t>
+              <a:t>09.10.2018</a:t>
             </a:fld>
             <a:endParaRPr lang="ru-RU"/>
           </a:p>
@@ -2237,7 +2238,7 @@
           <a:p>
             <a:fld id="{5B106E36-FD25-4E2D-B0AA-010F637433A0}" type="datetimeFigureOut">
               <a:rPr lang="ru-RU" smtClean="0"/>
-              <a:t>02.10.2018</a:t>
+              <a:t>09.10.2018</a:t>
             </a:fld>
             <a:endParaRPr lang="ru-RU"/>
           </a:p>
@@ -2485,7 +2486,7 @@
           <a:p>
             <a:fld id="{5B106E36-FD25-4E2D-B0AA-010F637433A0}" type="datetimeFigureOut">
               <a:rPr lang="ru-RU" smtClean="0"/>
-              <a:t>02.10.2018</a:t>
+              <a:t>09.10.2018</a:t>
             </a:fld>
             <a:endParaRPr lang="ru-RU"/>
           </a:p>
@@ -2693,7 +2694,7 @@
           <a:p>
             <a:fld id="{5B106E36-FD25-4E2D-B0AA-010F637433A0}" type="datetimeFigureOut">
               <a:rPr lang="ru-RU" smtClean="0"/>
-              <a:t>02.10.2018</a:t>
+              <a:t>09.10.2018</a:t>
             </a:fld>
             <a:endParaRPr lang="ru-RU"/>
           </a:p>
@@ -3063,9 +3064,111 @@
           <a:chExt cx="0" cy="0"/>
         </a:xfrm>
       </p:grpSpPr>
+      <p:sp>
+        <p:nvSpPr>
+          <p:cNvPr id="2" name="Заголовок 1"/>
+          <p:cNvSpPr>
+            <a:spLocks noGrp="1"/>
+          </p:cNvSpPr>
+          <p:nvPr>
+            <p:ph type="ctrTitle"/>
+          </p:nvPr>
+        </p:nvSpPr>
+        <p:spPr/>
+        <p:txBody>
+          <a:bodyPr/>
+          <a:lstStyle/>
+          <a:p>
+            <a:r>
+              <a:rPr lang="ru-RU" dirty="0" smtClean="0">
+                <a:latin typeface="Akzidenz-Grotesk Pro Bold" panose="02000803050000020004" pitchFamily="2" charset="0"/>
+              </a:rPr>
+              <a:t>Машинный перевод</a:t>
+            </a:r>
+            <a:endParaRPr lang="ru-RU" dirty="0">
+              <a:latin typeface="Akzidenz-Grotesk Pro Bold" panose="02000803050000020004" pitchFamily="2" charset="0"/>
+            </a:endParaRPr>
+          </a:p>
+        </p:txBody>
+      </p:sp>
+      <p:sp>
+        <p:nvSpPr>
+          <p:cNvPr id="3" name="Подзаголовок 2"/>
+          <p:cNvSpPr>
+            <a:spLocks noGrp="1"/>
+          </p:cNvSpPr>
+          <p:nvPr>
+            <p:ph type="subTitle" idx="1"/>
+          </p:nvPr>
+        </p:nvSpPr>
+        <p:spPr>
+          <a:xfrm>
+            <a:off x="2627784" y="6237312"/>
+            <a:ext cx="6296744" cy="481608"/>
+          </a:xfrm>
+        </p:spPr>
+        <p:txBody>
+          <a:bodyPr>
+            <a:normAutofit fontScale="92500" lnSpcReduction="20000"/>
+          </a:bodyPr>
+          <a:lstStyle/>
+          <a:p>
+            <a:r>
+              <a:rPr lang="ru-RU" dirty="0" smtClean="0"/>
+              <a:t>Подготовила </a:t>
+            </a:r>
+            <a:r>
+              <a:rPr lang="ru-RU" dirty="0" err="1" smtClean="0"/>
+              <a:t>Лежебокова</a:t>
+            </a:r>
+            <a:r>
+              <a:rPr lang="ru-RU" dirty="0" smtClean="0"/>
+              <a:t> М.В.</a:t>
+            </a:r>
+            <a:endParaRPr lang="ru-RU" dirty="0"/>
+          </a:p>
+        </p:txBody>
+      </p:sp>
+    </p:spTree>
+    <p:extLst>
+      <p:ext uri="{BB962C8B-B14F-4D97-AF65-F5344CB8AC3E}">
+        <p14:creationId xmlns:p14="http://schemas.microsoft.com/office/powerpoint/2010/main" val="823351361"/>
+      </p:ext>
+    </p:extLst>
+  </p:cSld>
+  <p:clrMapOvr>
+    <a:masterClrMapping/>
+  </p:clrMapOvr>
+  <p:timing>
+    <p:tnLst>
+      <p:par>
+        <p:cTn id="1" dur="indefinite" restart="never" nodeType="tmRoot"/>
+      </p:par>
+    </p:tnLst>
+  </p:timing>
+</p:sld>
+</file>
+
+<file path=ppt/slides/slide10.xml><?xml version="1.0" encoding="utf-8"?>
+<p:sld xmlns:a="http://schemas.openxmlformats.org/drawingml/2006/main" xmlns:r="http://schemas.openxmlformats.org/officeDocument/2006/relationships" xmlns:p="http://schemas.openxmlformats.org/presentationml/2006/main">
+  <p:cSld>
+    <p:spTree>
+      <p:nvGrpSpPr>
+        <p:cNvPr id="1" name=""/>
+        <p:cNvGrpSpPr/>
+        <p:nvPr/>
+      </p:nvGrpSpPr>
+      <p:grpSpPr>
+        <a:xfrm>
+          <a:off x="0" y="0"/>
+          <a:ext cx="0" cy="0"/>
+          <a:chOff x="0" y="0"/>
+          <a:chExt cx="0" cy="0"/>
+        </a:xfrm>
+      </p:grpSpPr>
       <p:pic>
         <p:nvPicPr>
-          <p:cNvPr id="2" name="Рисунок 1"/>
+          <p:cNvPr id="3" name="Рисунок 2"/>
           <p:cNvPicPr>
             <a:picLocks noChangeAspect="1"/>
           </p:cNvPicPr>
@@ -3085,18 +3188,76 @@
         </p:blipFill>
         <p:spPr>
           <a:xfrm>
-            <a:off x="0" y="810079"/>
-            <a:ext cx="9144000" cy="5237841"/>
+            <a:off x="1050332" y="1081311"/>
+            <a:ext cx="7251074" cy="5776689"/>
           </a:xfrm>
           <a:prstGeom prst="rect">
             <a:avLst/>
           </a:prstGeom>
         </p:spPr>
       </p:pic>
+      <p:sp>
+        <p:nvSpPr>
+          <p:cNvPr id="2" name="Прямоугольник 1"/>
+          <p:cNvSpPr/>
+          <p:nvPr/>
+        </p:nvSpPr>
+        <p:spPr>
+          <a:xfrm>
+            <a:off x="2123728" y="332656"/>
+            <a:ext cx="5104282" cy="584775"/>
+          </a:xfrm>
+          <a:prstGeom prst="rect">
+            <a:avLst/>
+          </a:prstGeom>
+        </p:spPr>
+        <p:txBody>
+          <a:bodyPr wrap="none">
+            <a:spAutoFit/>
+          </a:bodyPr>
+          <a:lstStyle/>
+          <a:p>
+            <a:pPr fontAlgn="base"/>
+            <a:r>
+              <a:rPr lang="en-US" sz="3200" dirty="0">
+                <a:solidFill>
+                  <a:schemeClr val="tx1">
+                    <a:lumMod val="65000"/>
+                    <a:lumOff val="35000"/>
+                  </a:schemeClr>
+                </a:solidFill>
+                <a:latin typeface="Berlin Sans FB Demi" panose="020E0802020502020306" pitchFamily="34" charset="0"/>
+              </a:rPr>
+              <a:t>Word-based SMT (Model </a:t>
+            </a:r>
+            <a:r>
+              <a:rPr lang="en-US" sz="3200" dirty="0" smtClean="0">
+                <a:solidFill>
+                  <a:schemeClr val="tx1">
+                    <a:lumMod val="65000"/>
+                    <a:lumOff val="35000"/>
+                  </a:schemeClr>
+                </a:solidFill>
+                <a:latin typeface="Berlin Sans FB Demi" panose="020E0802020502020306" pitchFamily="34" charset="0"/>
+              </a:rPr>
+              <a:t>3)</a:t>
+            </a:r>
+            <a:endParaRPr lang="en-US" sz="3200" dirty="0">
+              <a:solidFill>
+                <a:schemeClr val="tx1">
+                  <a:lumMod val="65000"/>
+                  <a:lumOff val="35000"/>
+                </a:schemeClr>
+              </a:solidFill>
+              <a:latin typeface="Berlin Sans FB Demi" panose="020E0802020502020306" pitchFamily="34" charset="0"/>
+            </a:endParaRPr>
+          </a:p>
+        </p:txBody>
+      </p:sp>
     </p:spTree>
     <p:extLst>
       <p:ext uri="{BB962C8B-B14F-4D97-AF65-F5344CB8AC3E}">
-        <p14:creationId xmlns:p14="http://schemas.microsoft.com/office/powerpoint/2010/main" val="1961702201"/>
+        <p14:creationId xmlns:p14="http://schemas.microsoft.com/office/powerpoint/2010/main" val="3009652365"/>
       </p:ext>
     </p:extLst>
   </p:cSld>
@@ -3113,7 +3274,7 @@
 </p:sld>
 </file>
 
-<file path=ppt/slides/slide10.xml><?xml version="1.0" encoding="utf-8"?>
+<file path=ppt/slides/slide11.xml><?xml version="1.0" encoding="utf-8"?>
 <p:sld xmlns:a="http://schemas.openxmlformats.org/drawingml/2006/main" xmlns:r="http://schemas.openxmlformats.org/officeDocument/2006/relationships" xmlns:p="http://schemas.openxmlformats.org/presentationml/2006/main">
   <p:cSld>
     <p:spTree>
@@ -3217,10 +3378,17 @@
   <p:clrMapOvr>
     <a:masterClrMapping/>
   </p:clrMapOvr>
+  <p:timing>
+    <p:tnLst>
+      <p:par>
+        <p:cTn id="1" dur="indefinite" restart="never" nodeType="tmRoot"/>
+      </p:par>
+    </p:tnLst>
+  </p:timing>
 </p:sld>
 </file>
 
-<file path=ppt/slides/slide11.xml><?xml version="1.0" encoding="utf-8"?>
+<file path=ppt/slides/slide12.xml><?xml version="1.0" encoding="utf-8"?>
 <p:sld xmlns:a="http://schemas.openxmlformats.org/drawingml/2006/main" xmlns:r="http://schemas.openxmlformats.org/officeDocument/2006/relationships" xmlns:p="http://schemas.openxmlformats.org/presentationml/2006/main">
   <p:cSld>
     <p:spTree>
@@ -3277,10 +3445,17 @@
   <p:clrMapOvr>
     <a:masterClrMapping/>
   </p:clrMapOvr>
+  <p:timing>
+    <p:tnLst>
+      <p:par>
+        <p:cTn id="1" dur="indefinite" restart="never" nodeType="tmRoot"/>
+      </p:par>
+    </p:tnLst>
+  </p:timing>
 </p:sld>
 </file>
 
-<file path=ppt/slides/slide12.xml><?xml version="1.0" encoding="utf-8"?>
+<file path=ppt/slides/slide13.xml><?xml version="1.0" encoding="utf-8"?>
 <p:sld xmlns:a="http://schemas.openxmlformats.org/drawingml/2006/main" xmlns:r="http://schemas.openxmlformats.org/officeDocument/2006/relationships" xmlns:p="http://schemas.openxmlformats.org/presentationml/2006/main">
   <p:cSld>
     <p:spTree>
@@ -3374,10 +3549,17 @@
   <p:clrMapOvr>
     <a:masterClrMapping/>
   </p:clrMapOvr>
+  <p:timing>
+    <p:tnLst>
+      <p:par>
+        <p:cTn id="1" dur="indefinite" restart="never" nodeType="tmRoot"/>
+      </p:par>
+    </p:tnLst>
+  </p:timing>
 </p:sld>
 </file>
 
-<file path=ppt/slides/slide13.xml><?xml version="1.0" encoding="utf-8"?>
+<file path=ppt/slides/slide14.xml><?xml version="1.0" encoding="utf-8"?>
 <p:sld xmlns:a="http://schemas.openxmlformats.org/drawingml/2006/main" xmlns:r="http://schemas.openxmlformats.org/officeDocument/2006/relationships" xmlns:p="http://schemas.openxmlformats.org/presentationml/2006/main">
   <p:cSld>
     <p:spTree>
@@ -3434,10 +3616,84 @@
   <p:clrMapOvr>
     <a:masterClrMapping/>
   </p:clrMapOvr>
+  <p:timing>
+    <p:tnLst>
+      <p:par>
+        <p:cTn id="1" dur="indefinite" restart="never" nodeType="tmRoot"/>
+      </p:par>
+    </p:tnLst>
+  </p:timing>
 </p:sld>
 </file>
 
 <file path=ppt/slides/slide2.xml><?xml version="1.0" encoding="utf-8"?>
+<p:sld xmlns:a="http://schemas.openxmlformats.org/drawingml/2006/main" xmlns:r="http://schemas.openxmlformats.org/officeDocument/2006/relationships" xmlns:p="http://schemas.openxmlformats.org/presentationml/2006/main">
+  <p:cSld>
+    <p:spTree>
+      <p:nvGrpSpPr>
+        <p:cNvPr id="1" name=""/>
+        <p:cNvGrpSpPr/>
+        <p:nvPr/>
+      </p:nvGrpSpPr>
+      <p:grpSpPr>
+        <a:xfrm>
+          <a:off x="0" y="0"/>
+          <a:ext cx="0" cy="0"/>
+          <a:chOff x="0" y="0"/>
+          <a:chExt cx="0" cy="0"/>
+        </a:xfrm>
+      </p:grpSpPr>
+      <p:pic>
+        <p:nvPicPr>
+          <p:cNvPr id="2" name="Рисунок 1"/>
+          <p:cNvPicPr>
+            <a:picLocks noChangeAspect="1"/>
+          </p:cNvPicPr>
+          <p:nvPr/>
+        </p:nvPicPr>
+        <p:blipFill>
+          <a:blip r:embed="rId2">
+            <a:extLst>
+              <a:ext uri="{28A0092B-C50C-407E-A947-70E740481C1C}">
+                <a14:useLocalDpi xmlns:a14="http://schemas.microsoft.com/office/drawing/2010/main" val="0"/>
+              </a:ext>
+            </a:extLst>
+          </a:blip>
+          <a:stretch>
+            <a:fillRect/>
+          </a:stretch>
+        </p:blipFill>
+        <p:spPr>
+          <a:xfrm>
+            <a:off x="0" y="810079"/>
+            <a:ext cx="9144000" cy="5237841"/>
+          </a:xfrm>
+          <a:prstGeom prst="rect">
+            <a:avLst/>
+          </a:prstGeom>
+        </p:spPr>
+      </p:pic>
+    </p:spTree>
+    <p:extLst>
+      <p:ext uri="{BB962C8B-B14F-4D97-AF65-F5344CB8AC3E}">
+        <p14:creationId xmlns:p14="http://schemas.microsoft.com/office/powerpoint/2010/main" val="1961702201"/>
+      </p:ext>
+    </p:extLst>
+  </p:cSld>
+  <p:clrMapOvr>
+    <a:masterClrMapping/>
+  </p:clrMapOvr>
+  <p:timing>
+    <p:tnLst>
+      <p:par>
+        <p:cTn id="1" dur="indefinite" restart="never" nodeType="tmRoot"/>
+      </p:par>
+    </p:tnLst>
+  </p:timing>
+</p:sld>
+</file>
+
+<file path=ppt/slides/slide3.xml><?xml version="1.0" encoding="utf-8"?>
 <p:sld xmlns:a="http://schemas.openxmlformats.org/drawingml/2006/main" xmlns:r="http://schemas.openxmlformats.org/officeDocument/2006/relationships" xmlns:p="http://schemas.openxmlformats.org/presentationml/2006/main">
   <p:cSld>
     <p:spTree>
@@ -3504,7 +3760,7 @@
 </p:sld>
 </file>
 
-<file path=ppt/slides/slide3.xml><?xml version="1.0" encoding="utf-8"?>
+<file path=ppt/slides/slide4.xml><?xml version="1.0" encoding="utf-8"?>
 <p:sld xmlns:a="http://schemas.openxmlformats.org/drawingml/2006/main" xmlns:r="http://schemas.openxmlformats.org/officeDocument/2006/relationships" xmlns:p="http://schemas.openxmlformats.org/presentationml/2006/main">
   <p:cSld>
     <p:spTree>
@@ -3657,7 +3913,7 @@
 </p:sld>
 </file>
 
-<file path=ppt/slides/slide4.xml><?xml version="1.0" encoding="utf-8"?>
+<file path=ppt/slides/slide5.xml><?xml version="1.0" encoding="utf-8"?>
 <p:sld xmlns:a="http://schemas.openxmlformats.org/drawingml/2006/main" xmlns:r="http://schemas.openxmlformats.org/officeDocument/2006/relationships" xmlns:p="http://schemas.openxmlformats.org/presentationml/2006/main">
   <p:cSld>
     <p:spTree>
@@ -3724,7 +3980,7 @@
 </p:sld>
 </file>
 
-<file path=ppt/slides/slide5.xml><?xml version="1.0" encoding="utf-8"?>
+<file path=ppt/slides/slide6.xml><?xml version="1.0" encoding="utf-8"?>
 <p:sld xmlns:a="http://schemas.openxmlformats.org/drawingml/2006/main" xmlns:r="http://schemas.openxmlformats.org/officeDocument/2006/relationships" xmlns:p="http://schemas.openxmlformats.org/presentationml/2006/main">
   <p:cSld>
     <p:spTree>
@@ -3835,7 +4091,7 @@
 </p:sld>
 </file>
 
-<file path=ppt/slides/slide6.xml><?xml version="1.0" encoding="utf-8"?>
+<file path=ppt/slides/slide7.xml><?xml version="1.0" encoding="utf-8"?>
 <p:sld xmlns:a="http://schemas.openxmlformats.org/drawingml/2006/main" xmlns:r="http://schemas.openxmlformats.org/officeDocument/2006/relationships" xmlns:p="http://schemas.openxmlformats.org/presentationml/2006/main">
   <p:cSld>
     <p:spTree>
@@ -3949,7 +4205,7 @@
 </p:sld>
 </file>
 
-<file path=ppt/slides/slide7.xml><?xml version="1.0" encoding="utf-8"?>
+<file path=ppt/slides/slide8.xml><?xml version="1.0" encoding="utf-8"?>
 <p:sld xmlns:a="http://schemas.openxmlformats.org/drawingml/2006/main" xmlns:r="http://schemas.openxmlformats.org/officeDocument/2006/relationships" xmlns:p="http://schemas.openxmlformats.org/presentationml/2006/main">
   <p:cSld>
     <p:spTree>
@@ -4059,131 +4315,6 @@
     <p:extLst>
       <p:ext uri="{BB962C8B-B14F-4D97-AF65-F5344CB8AC3E}">
         <p14:creationId xmlns:p14="http://schemas.microsoft.com/office/powerpoint/2010/main" val="48143262"/>
-      </p:ext>
-    </p:extLst>
-  </p:cSld>
-  <p:clrMapOvr>
-    <a:masterClrMapping/>
-  </p:clrMapOvr>
-  <p:timing>
-    <p:tnLst>
-      <p:par>
-        <p:cTn id="1" dur="indefinite" restart="never" nodeType="tmRoot"/>
-      </p:par>
-    </p:tnLst>
-  </p:timing>
-</p:sld>
-</file>
-
-<file path=ppt/slides/slide8.xml><?xml version="1.0" encoding="utf-8"?>
-<p:sld xmlns:a="http://schemas.openxmlformats.org/drawingml/2006/main" xmlns:r="http://schemas.openxmlformats.org/officeDocument/2006/relationships" xmlns:p="http://schemas.openxmlformats.org/presentationml/2006/main">
-  <p:cSld>
-    <p:spTree>
-      <p:nvGrpSpPr>
-        <p:cNvPr id="1" name=""/>
-        <p:cNvGrpSpPr/>
-        <p:nvPr/>
-      </p:nvGrpSpPr>
-      <p:grpSpPr>
-        <a:xfrm>
-          <a:off x="0" y="0"/>
-          <a:ext cx="0" cy="0"/>
-          <a:chOff x="0" y="0"/>
-          <a:chExt cx="0" cy="0"/>
-        </a:xfrm>
-      </p:grpSpPr>
-      <p:pic>
-        <p:nvPicPr>
-          <p:cNvPr id="3" name="Рисунок 2"/>
-          <p:cNvPicPr>
-            <a:picLocks noChangeAspect="1"/>
-          </p:cNvPicPr>
-          <p:nvPr/>
-        </p:nvPicPr>
-        <p:blipFill>
-          <a:blip r:embed="rId2">
-            <a:extLst>
-              <a:ext uri="{28A0092B-C50C-407E-A947-70E740481C1C}">
-                <a14:useLocalDpi xmlns:a14="http://schemas.microsoft.com/office/drawing/2010/main" val="0"/>
-              </a:ext>
-            </a:extLst>
-          </a:blip>
-          <a:stretch>
-            <a:fillRect/>
-          </a:stretch>
-        </p:blipFill>
-        <p:spPr>
-          <a:xfrm>
-            <a:off x="228600" y="514350"/>
-            <a:ext cx="8686800" cy="6343650"/>
-          </a:xfrm>
-          <a:prstGeom prst="rect">
-            <a:avLst/>
-          </a:prstGeom>
-        </p:spPr>
-      </p:pic>
-      <p:sp>
-        <p:nvSpPr>
-          <p:cNvPr id="2" name="Прямоугольник 1"/>
-          <p:cNvSpPr/>
-          <p:nvPr/>
-        </p:nvSpPr>
-        <p:spPr>
-          <a:xfrm>
-            <a:off x="2195736" y="514350"/>
-            <a:ext cx="5115503" cy="584775"/>
-          </a:xfrm>
-          <a:prstGeom prst="rect">
-            <a:avLst/>
-          </a:prstGeom>
-        </p:spPr>
-        <p:txBody>
-          <a:bodyPr wrap="none">
-            <a:spAutoFit/>
-          </a:bodyPr>
-          <a:lstStyle/>
-          <a:p>
-            <a:pPr fontAlgn="base"/>
-            <a:r>
-              <a:rPr lang="en-US" sz="3200" dirty="0">
-                <a:solidFill>
-                  <a:schemeClr val="tx1">
-                    <a:lumMod val="65000"/>
-                    <a:lumOff val="35000"/>
-                  </a:schemeClr>
-                </a:solidFill>
-                <a:latin typeface="Berlin Sans FB Demi" panose="020E0802020502020306" pitchFamily="34" charset="0"/>
-              </a:rPr>
-              <a:t>Word-based SMT (Model </a:t>
-            </a:r>
-            <a:r>
-              <a:rPr lang="en-US" sz="3200" dirty="0" smtClean="0">
-                <a:solidFill>
-                  <a:schemeClr val="tx1">
-                    <a:lumMod val="65000"/>
-                    <a:lumOff val="35000"/>
-                  </a:schemeClr>
-                </a:solidFill>
-                <a:latin typeface="Berlin Sans FB Demi" panose="020E0802020502020306" pitchFamily="34" charset="0"/>
-              </a:rPr>
-              <a:t>2)</a:t>
-            </a:r>
-            <a:endParaRPr lang="en-US" sz="3200" dirty="0">
-              <a:solidFill>
-                <a:schemeClr val="tx1">
-                  <a:lumMod val="65000"/>
-                  <a:lumOff val="35000"/>
-                </a:schemeClr>
-              </a:solidFill>
-              <a:latin typeface="Berlin Sans FB Demi" panose="020E0802020502020306" pitchFamily="34" charset="0"/>
-            </a:endParaRPr>
-          </a:p>
-        </p:txBody>
-      </p:sp>
-    </p:spTree>
-    <p:extLst>
-      <p:ext uri="{BB962C8B-B14F-4D97-AF65-F5344CB8AC3E}">
-        <p14:creationId xmlns:p14="http://schemas.microsoft.com/office/powerpoint/2010/main" val="4091636506"/>
       </p:ext>
     </p:extLst>
   </p:cSld>
@@ -4239,8 +4370,8 @@
         </p:blipFill>
         <p:spPr>
           <a:xfrm>
-            <a:off x="1050332" y="1081311"/>
-            <a:ext cx="7251074" cy="5776689"/>
+            <a:off x="228600" y="514350"/>
+            <a:ext cx="8686800" cy="6343650"/>
           </a:xfrm>
           <a:prstGeom prst="rect">
             <a:avLst/>
@@ -4255,8 +4386,8 @@
         </p:nvSpPr>
         <p:spPr>
           <a:xfrm>
-            <a:off x="2123728" y="332656"/>
-            <a:ext cx="5104282" cy="584775"/>
+            <a:off x="2195736" y="514350"/>
+            <a:ext cx="5115503" cy="584775"/>
           </a:xfrm>
           <a:prstGeom prst="rect">
             <a:avLst/>
@@ -4291,7 +4422,7 @@
                 </a:solidFill>
                 <a:latin typeface="Berlin Sans FB Demi" panose="020E0802020502020306" pitchFamily="34" charset="0"/>
               </a:rPr>
-              <a:t>3)</a:t>
+              <a:t>2)</a:t>
             </a:r>
             <a:endParaRPr lang="en-US" sz="3200" dirty="0">
               <a:solidFill>
@@ -4308,13 +4439,20 @@
     </p:spTree>
     <p:extLst>
       <p:ext uri="{BB962C8B-B14F-4D97-AF65-F5344CB8AC3E}">
-        <p14:creationId xmlns:p14="http://schemas.microsoft.com/office/powerpoint/2010/main" val="3009652365"/>
+        <p14:creationId xmlns:p14="http://schemas.microsoft.com/office/powerpoint/2010/main" val="4091636506"/>
       </p:ext>
     </p:extLst>
   </p:cSld>
   <p:clrMapOvr>
     <a:masterClrMapping/>
   </p:clrMapOvr>
+  <p:timing>
+    <p:tnLst>
+      <p:par>
+        <p:cTn id="1" dur="indefinite" restart="never" nodeType="tmRoot"/>
+      </p:par>
+    </p:tnLst>
+  </p:timing>
 </p:sld>
 </file>
 
